--- a/DU LỊCH 3 MIỀN.pptx
+++ b/DU LỊCH 3 MIỀN.pptx
@@ -6603,7 +6603,7 @@
       </p:grpSpPr>
       <p:sp useBgFill="1">
         <p:nvSpPr>
-          <p:cNvPr id="14" name="Rectangle 13">
+          <p:cNvPr id="23" name="Rectangle 22">
             <a:extLst>
               <a:ext uri="{FF2B5EF4-FFF2-40B4-BE49-F238E27FC236}">
                 <a16:creationId xmlns:a16="http://schemas.microsoft.com/office/drawing/2014/main" id="{9416C2F8-A84C-4357-A755-81D3F466DD07}"/>
@@ -6663,7 +6663,7 @@
       </p:sp>
       <p:pic>
         <p:nvPicPr>
-          <p:cNvPr id="16" name="Picture 2">
+          <p:cNvPr id="25" name="Picture 2">
             <a:extLst>
               <a:ext uri="{FF2B5EF4-FFF2-40B4-BE49-F238E27FC236}">
                 <a16:creationId xmlns:a16="http://schemas.microsoft.com/office/drawing/2014/main" id="{031306E5-EFE3-459A-89EF-0EF2185CDEF7}"/>
@@ -6720,10 +6720,10 @@
       </p:pic>
       <p:pic>
         <p:nvPicPr>
-          <p:cNvPr id="7" name="Chỗ dành sẵn cho Nội dung 6" descr="Ảnh có chứa bàn&#10;&#10;Mô tả được tạo tự động">
+          <p:cNvPr id="4" name="Hình ảnh 3">
             <a:extLst>
               <a:ext uri="{FF2B5EF4-FFF2-40B4-BE49-F238E27FC236}">
-                <a16:creationId xmlns:a16="http://schemas.microsoft.com/office/drawing/2014/main" id="{35EC69A6-D882-4188-9564-1AD7AD12E191}"/>
+                <a16:creationId xmlns:a16="http://schemas.microsoft.com/office/drawing/2014/main" id="{B7F6D150-FF38-4DA4-8510-E11AB367D182}"/>
               </a:ext>
             </a:extLst>
           </p:cNvPr>
@@ -6740,8 +6740,8 @@
         </p:blipFill>
         <p:spPr>
           <a:xfrm>
-            <a:off x="5078061" y="1681360"/>
-            <a:ext cx="6200163" cy="3038079"/>
+            <a:off x="5078061" y="1673609"/>
+            <a:ext cx="6200163" cy="3053580"/>
           </a:xfrm>
           <a:prstGeom prst="roundRect">
             <a:avLst>
@@ -6771,7 +6771,7 @@
       </p:pic>
       <p:pic>
         <p:nvPicPr>
-          <p:cNvPr id="18" name="Picture 17">
+          <p:cNvPr id="27" name="Picture 26">
             <a:extLst>
               <a:ext uri="{FF2B5EF4-FFF2-40B4-BE49-F238E27FC236}">
                 <a16:creationId xmlns:a16="http://schemas.microsoft.com/office/drawing/2014/main" id="{4A23C976-ECF8-49F1-914B-B5BD60613BBE}"/>

--- a/DU LỊCH 3 MIỀN.pptx
+++ b/DU LỊCH 3 MIỀN.pptx
@@ -6603,7 +6603,7 @@
       </p:grpSpPr>
       <p:sp useBgFill="1">
         <p:nvSpPr>
-          <p:cNvPr id="23" name="Rectangle 22">
+          <p:cNvPr id="32" name="Rectangle 31">
             <a:extLst>
               <a:ext uri="{FF2B5EF4-FFF2-40B4-BE49-F238E27FC236}">
                 <a16:creationId xmlns:a16="http://schemas.microsoft.com/office/drawing/2014/main" id="{9416C2F8-A84C-4357-A755-81D3F466DD07}"/>
@@ -6663,7 +6663,7 @@
       </p:sp>
       <p:pic>
         <p:nvPicPr>
-          <p:cNvPr id="25" name="Picture 2">
+          <p:cNvPr id="34" name="Picture 2">
             <a:extLst>
               <a:ext uri="{FF2B5EF4-FFF2-40B4-BE49-F238E27FC236}">
                 <a16:creationId xmlns:a16="http://schemas.microsoft.com/office/drawing/2014/main" id="{031306E5-EFE3-459A-89EF-0EF2185CDEF7}"/>
@@ -6720,10 +6720,10 @@
       </p:pic>
       <p:pic>
         <p:nvPicPr>
-          <p:cNvPr id="4" name="Hình ảnh 3">
+          <p:cNvPr id="5" name="Hình ảnh 4">
             <a:extLst>
               <a:ext uri="{FF2B5EF4-FFF2-40B4-BE49-F238E27FC236}">
-                <a16:creationId xmlns:a16="http://schemas.microsoft.com/office/drawing/2014/main" id="{B7F6D150-FF38-4DA4-8510-E11AB367D182}"/>
+                <a16:creationId xmlns:a16="http://schemas.microsoft.com/office/drawing/2014/main" id="{6350A981-A0EF-4FC8-9575-8D192858A5D4}"/>
               </a:ext>
             </a:extLst>
           </p:cNvPr>
@@ -6740,8 +6740,8 @@
         </p:blipFill>
         <p:spPr>
           <a:xfrm>
-            <a:off x="5078061" y="1673609"/>
-            <a:ext cx="6200163" cy="3053580"/>
+            <a:off x="5078061" y="1658109"/>
+            <a:ext cx="6200163" cy="3084581"/>
           </a:xfrm>
           <a:prstGeom prst="roundRect">
             <a:avLst>
@@ -6771,7 +6771,7 @@
       </p:pic>
       <p:pic>
         <p:nvPicPr>
-          <p:cNvPr id="27" name="Picture 26">
+          <p:cNvPr id="36" name="Picture 35">
             <a:extLst>
               <a:ext uri="{FF2B5EF4-FFF2-40B4-BE49-F238E27FC236}">
                 <a16:creationId xmlns:a16="http://schemas.microsoft.com/office/drawing/2014/main" id="{4A23C976-ECF8-49F1-914B-B5BD60613BBE}"/>
